--- a/PYTAP.pptx
+++ b/PYTAP.pptx
@@ -26,7 +26,7 @@
   <p:notesSz cx="6858000" cy="9144000"/>
   <p:embeddedFontLst>
     <p:embeddedFont>
-      <p:font typeface="Lato Light" panose="020F0302020204030203" charset="0"/>
+      <p:font typeface="Consolas" panose="020B0609020204030204" pitchFamily="49" charset="0"/>
       <p:regular r:id="rId16"/>
       <p:bold r:id="rId17"/>
       <p:italic r:id="rId18"/>
@@ -40,22 +40,22 @@
       <p:boldItalic r:id="rId23"/>
     </p:embeddedFont>
     <p:embeddedFont>
-      <p:font typeface="Lato Black" panose="020B0604020202020204" charset="0"/>
-      <p:bold r:id="rId24"/>
-      <p:boldItalic r:id="rId25"/>
+      <p:font typeface="Lato Light" panose="020F0302020204030203" charset="0"/>
+      <p:regular r:id="rId24"/>
+      <p:bold r:id="rId25"/>
+      <p:italic r:id="rId26"/>
+      <p:boldItalic r:id="rId27"/>
     </p:embeddedFont>
     <p:embeddedFont>
       <p:font typeface="Lato" panose="020B0604020202020204" charset="0"/>
-      <p:regular r:id="rId26"/>
-      <p:bold r:id="rId27"/>
-      <p:italic r:id="rId28"/>
-      <p:boldItalic r:id="rId29"/>
+      <p:regular r:id="rId28"/>
+      <p:bold r:id="rId29"/>
+      <p:italic r:id="rId30"/>
+      <p:boldItalic r:id="rId31"/>
     </p:embeddedFont>
     <p:embeddedFont>
-      <p:font typeface="Consolas" panose="020B0609020204030204" pitchFamily="49" charset="0"/>
-      <p:regular r:id="rId30"/>
-      <p:bold r:id="rId31"/>
-      <p:italic r:id="rId32"/>
+      <p:font typeface="Lato Black" panose="020B0604020202020204" charset="0"/>
+      <p:bold r:id="rId32"/>
       <p:boldItalic r:id="rId33"/>
     </p:embeddedFont>
   </p:embeddedFontLst>
@@ -9288,7 +9288,33 @@
                 <a:effectLst/>
                 <a:latin typeface="Consolas" panose="020B0609020204030204" pitchFamily="49" charset="0"/>
               </a:rPr>
-              <a:t> de execuções dos testes, passando na lista o nome e </a:t>
+              <a:t> de execuções dos testes, passando na lista o </a:t>
+            </a:r>
+            <a:r>
+              <a:rPr kumimoji="0" lang="pt-BR" altLang="pt-BR" sz="800" b="0" i="0" u="none" strike="noStrike" cap="none" normalizeH="0" baseline="0" dirty="0" smtClean="0">
+                <a:ln>
+                  <a:noFill/>
+                </a:ln>
+                <a:solidFill>
+                  <a:srgbClr val="DDDDDD"/>
+                </a:solidFill>
+                <a:effectLst/>
+                <a:latin typeface="Consolas" panose="020B0609020204030204" pitchFamily="49" charset="0"/>
+              </a:rPr>
+              <a:t>nome </a:t>
+            </a:r>
+            <a:r>
+              <a:rPr kumimoji="0" lang="pt-BR" altLang="pt-BR" sz="800" b="0" i="0" u="none" strike="noStrike" cap="none" normalizeH="0" baseline="0" dirty="0" smtClean="0">
+                <a:ln>
+                  <a:noFill/>
+                </a:ln>
+                <a:solidFill>
+                  <a:srgbClr val="DDDDDD"/>
+                </a:solidFill>
+                <a:effectLst/>
+                <a:latin typeface="Consolas" panose="020B0609020204030204" pitchFamily="49" charset="0"/>
+              </a:rPr>
+              <a:t/>
             </a:r>
             <a:br>
               <a:rPr kumimoji="0" lang="pt-BR" altLang="pt-BR" sz="800" b="0" i="0" u="none" strike="noStrike" cap="none" normalizeH="0" baseline="0" dirty="0" smtClean="0">
@@ -9313,7 +9339,46 @@
                 <a:effectLst/>
                 <a:latin typeface="Consolas" panose="020B0609020204030204" pitchFamily="49" charset="0"/>
               </a:rPr>
-              <a:t>  extensão do arquivo Python de teste (</a:t>
+              <a:t> </a:t>
+            </a:r>
+            <a:r>
+              <a:rPr kumimoji="0" lang="pt-BR" altLang="pt-BR" sz="800" b="0" i="0" u="none" strike="noStrike" cap="none" normalizeH="0" dirty="0" smtClean="0">
+                <a:ln>
+                  <a:noFill/>
+                </a:ln>
+                <a:solidFill>
+                  <a:srgbClr val="DDDDDD"/>
+                </a:solidFill>
+                <a:effectLst/>
+                <a:latin typeface="Consolas" panose="020B0609020204030204" pitchFamily="49" charset="0"/>
+              </a:rPr>
+              <a:t> </a:t>
+            </a:r>
+            <a:r>
+              <a:rPr kumimoji="0" lang="pt-BR" altLang="pt-BR" sz="800" b="0" i="0" u="none" strike="noStrike" cap="none" normalizeH="0" baseline="0" dirty="0" smtClean="0">
+                <a:ln>
+                  <a:noFill/>
+                </a:ln>
+                <a:solidFill>
+                  <a:srgbClr val="DDDDDD"/>
+                </a:solidFill>
+                <a:effectLst/>
+                <a:latin typeface="Consolas" panose="020B0609020204030204" pitchFamily="49" charset="0"/>
+              </a:rPr>
+              <a:t>do </a:t>
+            </a:r>
+            <a:r>
+              <a:rPr kumimoji="0" lang="pt-BR" altLang="pt-BR" sz="800" b="0" i="0" u="none" strike="noStrike" cap="none" normalizeH="0" baseline="0" dirty="0" smtClean="0">
+                <a:ln>
+                  <a:noFill/>
+                </a:ln>
+                <a:solidFill>
+                  <a:srgbClr val="DDDDDD"/>
+                </a:solidFill>
+                <a:effectLst/>
+                <a:latin typeface="Consolas" panose="020B0609020204030204" pitchFamily="49" charset="0"/>
+              </a:rPr>
+              <a:t>arquivo Python de teste (</a:t>
             </a:r>
             <a:r>
               <a:rPr lang="pt-BR" altLang="pt-BR" sz="800" dirty="0" err="1">
@@ -9348,7 +9413,85 @@
                 <a:effectLst/>
                 <a:latin typeface="Consolas" panose="020B0609020204030204" pitchFamily="49" charset="0"/>
               </a:rPr>
-              <a:t>) ou nome e extensão da história do BDD (</a:t>
+              <a:t>) ou </a:t>
+            </a:r>
+            <a:r>
+              <a:rPr kumimoji="0" lang="pt-BR" altLang="pt-BR" sz="800" b="0" i="0" u="none" strike="noStrike" cap="none" normalizeH="0" baseline="0" dirty="0" smtClean="0">
+                <a:ln>
+                  <a:noFill/>
+                </a:ln>
+                <a:solidFill>
+                  <a:srgbClr val="DDDDDD"/>
+                </a:solidFill>
+                <a:effectLst/>
+                <a:latin typeface="Consolas" panose="020B0609020204030204" pitchFamily="49" charset="0"/>
+              </a:rPr>
+              <a:t>nome do</a:t>
+            </a:r>
+            <a:r>
+              <a:rPr kumimoji="0" lang="pt-BR" altLang="pt-BR" sz="800" b="0" i="0" u="none" strike="noStrike" cap="none" normalizeH="0" dirty="0" smtClean="0">
+                <a:ln>
+                  <a:noFill/>
+                </a:ln>
+                <a:solidFill>
+                  <a:srgbClr val="DDDDDD"/>
+                </a:solidFill>
+                <a:effectLst/>
+                <a:latin typeface="Consolas" panose="020B0609020204030204" pitchFamily="49" charset="0"/>
+              </a:rPr>
+              <a:t> </a:t>
+            </a:r>
+            <a:r>
+              <a:rPr kumimoji="0" lang="pt-BR" altLang="pt-BR" sz="800" b="0" i="0" u="none" strike="noStrike" cap="none" normalizeH="0" dirty="0" err="1" smtClean="0">
+                <a:ln>
+                  <a:noFill/>
+                </a:ln>
+                <a:solidFill>
+                  <a:srgbClr val="DDDDDD"/>
+                </a:solidFill>
+                <a:effectLst/>
+                <a:latin typeface="Consolas" panose="020B0609020204030204" pitchFamily="49" charset="0"/>
+              </a:rPr>
+              <a:t>arquido</a:t>
+            </a:r>
+            <a:r>
+              <a:rPr kumimoji="0" lang="pt-BR" altLang="pt-BR" sz="800" b="0" i="0" u="none" strike="noStrike" cap="none" normalizeH="0" dirty="0" smtClean="0">
+                <a:ln>
+                  <a:noFill/>
+                </a:ln>
+                <a:solidFill>
+                  <a:srgbClr val="DDDDDD"/>
+                </a:solidFill>
+                <a:effectLst/>
+                <a:latin typeface="Consolas" panose="020B0609020204030204" pitchFamily="49" charset="0"/>
+              </a:rPr>
+              <a:t> de</a:t>
+            </a:r>
+            <a:r>
+              <a:rPr kumimoji="0" lang="pt-BR" altLang="pt-BR" sz="800" b="0" i="0" u="none" strike="noStrike" cap="none" normalizeH="0" baseline="0" dirty="0" smtClean="0">
+                <a:ln>
+                  <a:noFill/>
+                </a:ln>
+                <a:solidFill>
+                  <a:srgbClr val="DDDDDD"/>
+                </a:solidFill>
+                <a:effectLst/>
+                <a:latin typeface="Consolas" panose="020B0609020204030204" pitchFamily="49" charset="0"/>
+              </a:rPr>
+              <a:t> </a:t>
+            </a:r>
+            <a:r>
+              <a:rPr kumimoji="0" lang="pt-BR" altLang="pt-BR" sz="800" b="0" i="0" u="none" strike="noStrike" cap="none" normalizeH="0" baseline="0" dirty="0" smtClean="0">
+                <a:ln>
+                  <a:noFill/>
+                </a:ln>
+                <a:solidFill>
+                  <a:srgbClr val="DDDDDD"/>
+                </a:solidFill>
+                <a:effectLst/>
+                <a:latin typeface="Consolas" panose="020B0609020204030204" pitchFamily="49" charset="0"/>
+              </a:rPr>
+              <a:t>história do BDD (</a:t>
             </a:r>
             <a:r>
               <a:rPr kumimoji="0" lang="pt-BR" altLang="pt-BR" sz="800" b="0" i="0" u="none" strike="noStrike" cap="none" normalizeH="0" baseline="0" dirty="0" err="1" smtClean="0">
@@ -12286,7 +12429,7 @@
               <a:buNone/>
             </a:pPr>
             <a:r>
-              <a:rPr lang="pt-BR" sz="1800" b="1" dirty="0" smtClean="0">
+              <a:rPr lang="pt-BR" sz="1800" dirty="0" smtClean="0">
                 <a:solidFill>
                   <a:srgbClr val="FFFFFF"/>
                 </a:solidFill>
@@ -19083,16 +19226,7 @@
                 </a:solidFill>
                 <a:latin typeface="Consolas" panose="020B0609020204030204" pitchFamily="49" charset="0"/>
               </a:rPr>
-              <a:t>", "</a:t>
-            </a:r>
-            <a:r>
-              <a:rPr lang="pt-BR" altLang="pt-BR" sz="800" dirty="0" smtClean="0">
-                <a:solidFill>
-                  <a:srgbClr val="DDDDDD"/>
-                </a:solidFill>
-                <a:latin typeface="Consolas" panose="020B0609020204030204" pitchFamily="49" charset="0"/>
-              </a:rPr>
-              <a:t>opera", </a:t>
+              <a:t>", "opera", </a:t>
             </a:r>
             <a:r>
               <a:rPr kumimoji="0" lang="pt-BR" altLang="pt-BR" sz="800" b="0" i="0" u="none" strike="noStrike" cap="none" normalizeH="0" baseline="0" dirty="0" smtClean="0">
